--- a/clases/Cap00_Lineas_Generales/program/CV00_PresentationCurso.pptx
+++ b/clases/Cap00_Lineas_Generales/program/CV00_PresentationCurso.pptx
@@ -111,6 +111,11 @@
       </a:defRPr>
     </a:lvl9pPr>
   </p:defaultTextStyle>
+  <p:extLst>
+    <p:ext uri="{EFAFB233-063F-42B5-8137-9DF3F51BA10A}">
+      <p15:sldGuideLst xmlns:p15="http://schemas.microsoft.com/office/powerpoint/2012/main"/>
+    </p:ext>
+  </p:extLst>
 </p:presentation>
 </file>
 
@@ -263,7 +268,7 @@
           <a:p>
             <a:fld id="{0B0C550D-4FE4-D44E-9B6F-060E5D779D30}" type="datetimeFigureOut">
               <a:rPr lang="es-ES_tradnl" smtClean="0"/>
-              <a:t>16/8/21</a:t>
+              <a:t>9/8/22</a:t>
             </a:fld>
             <a:endParaRPr lang="es-ES_tradnl"/>
           </a:p>
@@ -463,7 +468,7 @@
           <a:p>
             <a:fld id="{0B0C550D-4FE4-D44E-9B6F-060E5D779D30}" type="datetimeFigureOut">
               <a:rPr lang="es-ES_tradnl" smtClean="0"/>
-              <a:t>16/8/21</a:t>
+              <a:t>9/8/22</a:t>
             </a:fld>
             <a:endParaRPr lang="es-ES_tradnl"/>
           </a:p>
@@ -673,7 +678,7 @@
           <a:p>
             <a:fld id="{0B0C550D-4FE4-D44E-9B6F-060E5D779D30}" type="datetimeFigureOut">
               <a:rPr lang="es-ES_tradnl" smtClean="0"/>
-              <a:t>16/8/21</a:t>
+              <a:t>9/8/22</a:t>
             </a:fld>
             <a:endParaRPr lang="es-ES_tradnl"/>
           </a:p>
@@ -873,7 +878,7 @@
           <a:p>
             <a:fld id="{0B0C550D-4FE4-D44E-9B6F-060E5D779D30}" type="datetimeFigureOut">
               <a:rPr lang="es-ES_tradnl" smtClean="0"/>
-              <a:t>16/8/21</a:t>
+              <a:t>9/8/22</a:t>
             </a:fld>
             <a:endParaRPr lang="es-ES_tradnl"/>
           </a:p>
@@ -1149,7 +1154,7 @@
           <a:p>
             <a:fld id="{0B0C550D-4FE4-D44E-9B6F-060E5D779D30}" type="datetimeFigureOut">
               <a:rPr lang="es-ES_tradnl" smtClean="0"/>
-              <a:t>16/8/21</a:t>
+              <a:t>9/8/22</a:t>
             </a:fld>
             <a:endParaRPr lang="es-ES_tradnl"/>
           </a:p>
@@ -1417,7 +1422,7 @@
           <a:p>
             <a:fld id="{0B0C550D-4FE4-D44E-9B6F-060E5D779D30}" type="datetimeFigureOut">
               <a:rPr lang="es-ES_tradnl" smtClean="0"/>
-              <a:t>16/8/21</a:t>
+              <a:t>9/8/22</a:t>
             </a:fld>
             <a:endParaRPr lang="es-ES_tradnl"/>
           </a:p>
@@ -1832,7 +1837,7 @@
           <a:p>
             <a:fld id="{0B0C550D-4FE4-D44E-9B6F-060E5D779D30}" type="datetimeFigureOut">
               <a:rPr lang="es-ES_tradnl" smtClean="0"/>
-              <a:t>16/8/21</a:t>
+              <a:t>9/8/22</a:t>
             </a:fld>
             <a:endParaRPr lang="es-ES_tradnl"/>
           </a:p>
@@ -1974,7 +1979,7 @@
           <a:p>
             <a:fld id="{0B0C550D-4FE4-D44E-9B6F-060E5D779D30}" type="datetimeFigureOut">
               <a:rPr lang="es-ES_tradnl" smtClean="0"/>
-              <a:t>16/8/21</a:t>
+              <a:t>9/8/22</a:t>
             </a:fld>
             <a:endParaRPr lang="es-ES_tradnl"/>
           </a:p>
@@ -2087,7 +2092,7 @@
           <a:p>
             <a:fld id="{0B0C550D-4FE4-D44E-9B6F-060E5D779D30}" type="datetimeFigureOut">
               <a:rPr lang="es-ES_tradnl" smtClean="0"/>
-              <a:t>16/8/21</a:t>
+              <a:t>9/8/22</a:t>
             </a:fld>
             <a:endParaRPr lang="es-ES_tradnl"/>
           </a:p>
@@ -2400,7 +2405,7 @@
           <a:p>
             <a:fld id="{0B0C550D-4FE4-D44E-9B6F-060E5D779D30}" type="datetimeFigureOut">
               <a:rPr lang="es-ES_tradnl" smtClean="0"/>
-              <a:t>16/8/21</a:t>
+              <a:t>9/8/22</a:t>
             </a:fld>
             <a:endParaRPr lang="es-ES_tradnl"/>
           </a:p>
@@ -2689,7 +2694,7 @@
           <a:p>
             <a:fld id="{0B0C550D-4FE4-D44E-9B6F-060E5D779D30}" type="datetimeFigureOut">
               <a:rPr lang="es-ES_tradnl" smtClean="0"/>
-              <a:t>16/8/21</a:t>
+              <a:t>9/8/22</a:t>
             </a:fld>
             <a:endParaRPr lang="es-ES_tradnl"/>
           </a:p>
@@ -2932,7 +2937,7 @@
           <a:p>
             <a:fld id="{0B0C550D-4FE4-D44E-9B6F-060E5D779D30}" type="datetimeFigureOut">
               <a:rPr lang="es-ES_tradnl" smtClean="0"/>
-              <a:t>16/8/21</a:t>
+              <a:t>9/8/22</a:t>
             </a:fld>
             <a:endParaRPr lang="es-ES_tradnl"/>
           </a:p>
@@ -3568,7 +3573,7 @@
                 </a:solidFill>
                 <a:latin typeface="Gill Sans MT" panose="020B0502020104020203" pitchFamily="34" charset="77"/>
               </a:rPr>
-              <a:t> 2021-2</a:t>
+              <a:t> 2022-2</a:t>
             </a:r>
           </a:p>
         </p:txBody>
@@ -3751,14 +3756,14 @@
           <p:nvPr>
             <p:extLst>
               <p:ext uri="{D42A27DB-BD31-4B8C-83A1-F6EECF244321}">
-                <p14:modId xmlns:p14="http://schemas.microsoft.com/office/powerpoint/2010/main" val="4265689222"/>
+                <p14:modId xmlns:p14="http://schemas.microsoft.com/office/powerpoint/2010/main" val="1335351678"/>
               </p:ext>
             </p:extLst>
           </p:nvPr>
         </p:nvGraphicFramePr>
         <p:xfrm>
           <a:off x="697298" y="1750775"/>
-          <a:ext cx="10829924" cy="4480560"/>
+          <a:ext cx="10829924" cy="3200400"/>
         </p:xfrm>
         <a:graphic>
           <a:graphicData uri="http://schemas.openxmlformats.org/drawingml/2006/table">
@@ -3911,81 +3916,6 @@
                     <a:p>
                       <a:pPr algn="r"/>
                       <a:r>
-                        <a:rPr lang="en-AU" sz="2400" b="0" i="0" dirty="0">
-                          <a:solidFill>
-                            <a:srgbClr val="222222"/>
-                          </a:solidFill>
-                          <a:effectLst/>
-                          <a:latin typeface="Consolas" panose="020B0609020204030204" pitchFamily="49" charset="0"/>
-                          <a:cs typeface="Consolas" panose="020B0609020204030204" pitchFamily="49" charset="0"/>
-                        </a:rPr>
-                        <a:t>Zoom</a:t>
-                      </a:r>
-                      <a:endParaRPr lang="es-ES_tradnl" sz="2400" dirty="0"/>
-                    </a:p>
-                  </a:txBody>
-                  <a:tcPr/>
-                </a:tc>
-                <a:tc>
-                  <a:txBody>
-                    <a:bodyPr/>
-                    <a:lstStyle/>
-                    <a:p>
-                      <a:r>
-                        <a:rPr lang="en-AU" sz="2400" b="0" i="0" dirty="0">
-                          <a:solidFill>
-                            <a:srgbClr val="1155CC"/>
-                          </a:solidFill>
-                          <a:effectLst/>
-                          <a:latin typeface="Consolas" panose="020B0609020204030204" pitchFamily="49" charset="0"/>
-                          <a:cs typeface="Consolas" panose="020B0609020204030204" pitchFamily="49" charset="0"/>
-                          <a:hlinkClick r:id="rId4"/>
-                        </a:rPr>
-                        <a:t>https://notredame.zoom.us/my/imagina</a:t>
-                      </a:r>
-                      <a:r>
-                        <a:rPr lang="en-AU" sz="2400" b="0" i="0" dirty="0">
-                          <a:solidFill>
-                            <a:srgbClr val="1155CC"/>
-                          </a:solidFill>
-                          <a:effectLst/>
-                          <a:latin typeface="Consolas" panose="020B0609020204030204" pitchFamily="49" charset="0"/>
-                          <a:cs typeface="Consolas" panose="020B0609020204030204" pitchFamily="49" charset="0"/>
-                        </a:rPr>
-                        <a:t> </a:t>
-                      </a:r>
-                    </a:p>
-                    <a:p>
-                      <a:r>
-                        <a:rPr lang="en-AU" sz="2400" b="0" i="0" dirty="0">
-                          <a:solidFill>
-                            <a:srgbClr val="222222"/>
-                          </a:solidFill>
-                          <a:effectLst/>
-                          <a:latin typeface="Consolas" panose="020B0609020204030204" pitchFamily="49" charset="0"/>
-                          <a:cs typeface="Consolas" panose="020B0609020204030204" pitchFamily="49" charset="0"/>
-                        </a:rPr>
-                        <a:t>Zoom Meeting ID: 386 155 8778</a:t>
-                      </a:r>
-                      <a:endParaRPr lang="es-ES_tradnl" sz="2400" dirty="0"/>
-                    </a:p>
-                  </a:txBody>
-                  <a:tcPr/>
-                </a:tc>
-                <a:extLst>
-                  <a:ext uri="{0D108BD9-81ED-4DB2-BD59-A6C34878D82A}">
-                    <a16:rowId xmlns:a16="http://schemas.microsoft.com/office/drawing/2014/main" val="1486542202"/>
-                  </a:ext>
-                </a:extLst>
-              </a:tr>
-              <a:tr h="370840">
-                <a:tc>
-                  <a:txBody>
-                    <a:bodyPr/>
-                    <a:lstStyle/>
-                    <a:p>
-                      <a:pPr algn="r"/>
-                      <a:r>
                         <a:rPr lang="es-ES_tradnl" sz="2400" dirty="0"/>
                         <a:t>YouTube</a:t>
                       </a:r>
@@ -4006,7 +3936,7 @@
                           <a:effectLst/>
                           <a:latin typeface="Consolas" panose="020B0609020204030204" pitchFamily="49" charset="0"/>
                           <a:cs typeface="Consolas" panose="020B0609020204030204" pitchFamily="49" charset="0"/>
-                          <a:hlinkClick r:id="rId5"/>
+                          <a:hlinkClick r:id="rId4"/>
                         </a:rPr>
                         <a:t>http://youtube.com/domingomery</a:t>
                       </a:r>
@@ -4049,7 +3979,7 @@
                           <a:effectLst/>
                           <a:latin typeface="Consolas" panose="020B0609020204030204" pitchFamily="49" charset="0"/>
                           <a:cs typeface="Consolas" panose="020B0609020204030204" pitchFamily="49" charset="0"/>
-                          <a:hlinkClick r:id="rId6"/>
+                          <a:hlinkClick r:id="rId5"/>
                         </a:rPr>
                         <a:t>https://github.com/domingomery/vision</a:t>
                       </a:r>
@@ -4083,12 +4013,8 @@
                     <a:p>
                       <a:pPr algn="r"/>
                       <a:r>
-                        <a:rPr lang="es-ES_tradnl" sz="2400" dirty="0"/>
-                        <a:t>Google </a:t>
-                      </a:r>
-                      <a:r>
                         <a:rPr lang="es-ES_tradnl" sz="2400" dirty="0" err="1"/>
-                        <a:t>Classroom</a:t>
+                        <a:t>Canvas</a:t>
                       </a:r>
                       <a:endParaRPr lang="es-ES_tradnl" sz="2400" dirty="0"/>
                     </a:p>
@@ -4101,20 +4027,14 @@
                     <a:lstStyle/>
                     <a:p>
                       <a:r>
-                        <a:rPr lang="es-ES_tradnl" sz="2400" dirty="0" err="1"/>
-                        <a:t>Class</a:t>
+                        <a:rPr lang="es-ES_tradnl" sz="2400" dirty="0">
+                          <a:hlinkClick r:id="rId6"/>
+                        </a:rPr>
+                        <a:t>https://cursos.canvas.uc.cl/courses/50351</a:t>
                       </a:r>
                       <a:r>
                         <a:rPr lang="es-ES_tradnl" sz="2400" dirty="0"/>
                         <a:t> </a:t>
-                      </a:r>
-                      <a:r>
-                        <a:rPr lang="es-ES_tradnl" sz="2400" dirty="0" err="1"/>
-                        <a:t>code</a:t>
-                      </a:r>
-                      <a:r>
-                        <a:rPr lang="es-ES_tradnl" sz="2400" dirty="0"/>
-                        <a:t>: ia3af6x</a:t>
                       </a:r>
                     </a:p>
                   </a:txBody>
@@ -4122,62 +4042,7 @@
                 </a:tc>
                 <a:extLst>
                   <a:ext uri="{0D108BD9-81ED-4DB2-BD59-A6C34878D82A}">
-                    <a16:rowId xmlns:a16="http://schemas.microsoft.com/office/drawing/2014/main" val="906916521"/>
-                  </a:ext>
-                </a:extLst>
-              </a:tr>
-              <a:tr h="370840">
-                <a:tc>
-                  <a:txBody>
-                    <a:bodyPr/>
-                    <a:lstStyle/>
-                    <a:p>
-                      <a:pPr algn="r"/>
-                      <a:r>
-                        <a:rPr lang="es-ES_tradnl" sz="2400" dirty="0" err="1"/>
-                        <a:t>Socrative</a:t>
-                      </a:r>
-                      <a:endParaRPr lang="es-ES_tradnl" sz="2400" dirty="0"/>
-                    </a:p>
-                  </a:txBody>
-                  <a:tcPr/>
-                </a:tc>
-                <a:tc>
-                  <a:txBody>
-                    <a:bodyPr/>
-                    <a:lstStyle/>
-                    <a:p>
-                      <a:r>
-                        <a:rPr lang="en-AU" sz="2400" b="0" i="0" dirty="0">
-                          <a:solidFill>
-                            <a:srgbClr val="1155CC"/>
-                          </a:solidFill>
-                          <a:effectLst/>
-                          <a:latin typeface="Consolas" panose="020B0609020204030204" pitchFamily="49" charset="0"/>
-                          <a:cs typeface="Consolas" panose="020B0609020204030204" pitchFamily="49" charset="0"/>
-                          <a:hlinkClick r:id="rId7"/>
-                        </a:rPr>
-                        <a:t>http://www.socrative.com</a:t>
-                      </a:r>
-                      <a:r>
-                        <a:rPr lang="en-AU" sz="2400" b="0" i="0" dirty="0">
-                          <a:solidFill>
-                            <a:srgbClr val="222222"/>
-                          </a:solidFill>
-                          <a:effectLst/>
-                          <a:latin typeface="Consolas" panose="020B0609020204030204" pitchFamily="49" charset="0"/>
-                          <a:cs typeface="Consolas" panose="020B0609020204030204" pitchFamily="49" charset="0"/>
-                        </a:rPr>
-                        <a:t> &gt; Room Name = VISION</a:t>
-                      </a:r>
-                      <a:endParaRPr lang="es-ES_tradnl" sz="2400" dirty="0"/>
-                    </a:p>
-                  </a:txBody>
-                  <a:tcPr/>
-                </a:tc>
-                <a:extLst>
-                  <a:ext uri="{0D108BD9-81ED-4DB2-BD59-A6C34878D82A}">
-                    <a16:rowId xmlns:a16="http://schemas.microsoft.com/office/drawing/2014/main" val="656664082"/>
+                    <a16:rowId xmlns:a16="http://schemas.microsoft.com/office/drawing/2014/main" val="3476847895"/>
                   </a:ext>
                 </a:extLst>
               </a:tr>
@@ -4203,7 +4068,7 @@
                     <a:p>
                       <a:r>
                         <a:rPr lang="es-ES_tradnl" sz="2400" dirty="0"/>
-                        <a:t>Por confirmar – Modalidad Híbrida</a:t>
+                        <a:t>K301</a:t>
                       </a:r>
                     </a:p>
                   </a:txBody>
@@ -4363,10 +4228,10 @@
       </p:sp>
       <p:pic>
         <p:nvPicPr>
-          <p:cNvPr id="7" name="Picture 6">
-            <a:extLst>
-              <a:ext uri="{FF2B5EF4-FFF2-40B4-BE49-F238E27FC236}">
-                <a16:creationId xmlns:a16="http://schemas.microsoft.com/office/drawing/2014/main" id="{A3ECA87B-93C8-6E49-91DA-12EF8628409E}"/>
+          <p:cNvPr id="2" name="Picture 1">
+            <a:extLst>
+              <a:ext uri="{FF2B5EF4-FFF2-40B4-BE49-F238E27FC236}">
+                <a16:creationId xmlns:a16="http://schemas.microsoft.com/office/drawing/2014/main" id="{BB17EAE8-AC6D-54A8-6428-2D3B9B9EAD4C}"/>
               </a:ext>
             </a:extLst>
           </p:cNvPr>
@@ -4375,15 +4240,16 @@
           </p:cNvPicPr>
           <p:nvPr/>
         </p:nvPicPr>
-        <p:blipFill rotWithShape="1">
+        <p:blipFill>
           <a:blip r:embed="rId2"/>
-          <a:srcRect b="64352"/>
-          <a:stretch/>
+          <a:stretch>
+            <a:fillRect/>
+          </a:stretch>
         </p:blipFill>
         <p:spPr>
           <a:xfrm>
-            <a:off x="1414461" y="2365138"/>
-            <a:ext cx="9618663" cy="2000548"/>
+            <a:off x="540692" y="2570161"/>
+            <a:ext cx="11110616" cy="2316163"/>
           </a:xfrm>
           <a:prstGeom prst="rect">
             <a:avLst/>
@@ -5185,10 +5051,10 @@
       </p:sp>
       <p:pic>
         <p:nvPicPr>
-          <p:cNvPr id="3" name="Picture 2">
-            <a:extLst>
-              <a:ext uri="{FF2B5EF4-FFF2-40B4-BE49-F238E27FC236}">
-                <a16:creationId xmlns:a16="http://schemas.microsoft.com/office/drawing/2014/main" id="{27F8AA1C-9896-074D-9CC5-8D999BB0BE52}"/>
+          <p:cNvPr id="7" name="Picture 6">
+            <a:extLst>
+              <a:ext uri="{FF2B5EF4-FFF2-40B4-BE49-F238E27FC236}">
+                <a16:creationId xmlns:a16="http://schemas.microsoft.com/office/drawing/2014/main" id="{158FAFF9-2036-DDB3-5FD2-FE76D9DDBFE0}"/>
               </a:ext>
             </a:extLst>
           </p:cNvPr>
@@ -5205,8 +5071,8 @@
         </p:blipFill>
         <p:spPr>
           <a:xfrm>
-            <a:off x="1073150" y="2273300"/>
-            <a:ext cx="10045700" cy="2311400"/>
+            <a:off x="157758" y="2198687"/>
+            <a:ext cx="11876484" cy="3016250"/>
           </a:xfrm>
           <a:prstGeom prst="rect">
             <a:avLst/>

--- a/clases/Cap00_Lineas_Generales/program/CV00_PresentationCurso.pptx
+++ b/clases/Cap00_Lineas_Generales/program/CV00_PresentationCurso.pptx
@@ -6,13 +6,12 @@
   </p:sldMasterIdLst>
   <p:sldIdLst>
     <p:sldId id="257" r:id="rId2"/>
-    <p:sldId id="258" r:id="rId3"/>
-    <p:sldId id="260" r:id="rId4"/>
-    <p:sldId id="259" r:id="rId5"/>
-    <p:sldId id="261" r:id="rId6"/>
-    <p:sldId id="262" r:id="rId7"/>
-    <p:sldId id="263" r:id="rId8"/>
-    <p:sldId id="264" r:id="rId9"/>
+    <p:sldId id="260" r:id="rId3"/>
+    <p:sldId id="259" r:id="rId4"/>
+    <p:sldId id="261" r:id="rId5"/>
+    <p:sldId id="262" r:id="rId6"/>
+    <p:sldId id="263" r:id="rId7"/>
+    <p:sldId id="264" r:id="rId8"/>
   </p:sldIdLst>
   <p:sldSz cx="12192000" cy="6858000"/>
   <p:notesSz cx="6858000" cy="9144000"/>
@@ -268,7 +267,7 @@
           <a:p>
             <a:fld id="{0B0C550D-4FE4-D44E-9B6F-060E5D779D30}" type="datetimeFigureOut">
               <a:rPr lang="es-ES_tradnl" smtClean="0"/>
-              <a:t>9/8/22</a:t>
+              <a:t>7/8/23</a:t>
             </a:fld>
             <a:endParaRPr lang="es-ES_tradnl"/>
           </a:p>
@@ -468,7 +467,7 @@
           <a:p>
             <a:fld id="{0B0C550D-4FE4-D44E-9B6F-060E5D779D30}" type="datetimeFigureOut">
               <a:rPr lang="es-ES_tradnl" smtClean="0"/>
-              <a:t>9/8/22</a:t>
+              <a:t>7/8/23</a:t>
             </a:fld>
             <a:endParaRPr lang="es-ES_tradnl"/>
           </a:p>
@@ -678,7 +677,7 @@
           <a:p>
             <a:fld id="{0B0C550D-4FE4-D44E-9B6F-060E5D779D30}" type="datetimeFigureOut">
               <a:rPr lang="es-ES_tradnl" smtClean="0"/>
-              <a:t>9/8/22</a:t>
+              <a:t>7/8/23</a:t>
             </a:fld>
             <a:endParaRPr lang="es-ES_tradnl"/>
           </a:p>
@@ -878,7 +877,7 @@
           <a:p>
             <a:fld id="{0B0C550D-4FE4-D44E-9B6F-060E5D779D30}" type="datetimeFigureOut">
               <a:rPr lang="es-ES_tradnl" smtClean="0"/>
-              <a:t>9/8/22</a:t>
+              <a:t>7/8/23</a:t>
             </a:fld>
             <a:endParaRPr lang="es-ES_tradnl"/>
           </a:p>
@@ -1154,7 +1153,7 @@
           <a:p>
             <a:fld id="{0B0C550D-4FE4-D44E-9B6F-060E5D779D30}" type="datetimeFigureOut">
               <a:rPr lang="es-ES_tradnl" smtClean="0"/>
-              <a:t>9/8/22</a:t>
+              <a:t>7/8/23</a:t>
             </a:fld>
             <a:endParaRPr lang="es-ES_tradnl"/>
           </a:p>
@@ -1422,7 +1421,7 @@
           <a:p>
             <a:fld id="{0B0C550D-4FE4-D44E-9B6F-060E5D779D30}" type="datetimeFigureOut">
               <a:rPr lang="es-ES_tradnl" smtClean="0"/>
-              <a:t>9/8/22</a:t>
+              <a:t>7/8/23</a:t>
             </a:fld>
             <a:endParaRPr lang="es-ES_tradnl"/>
           </a:p>
@@ -1837,7 +1836,7 @@
           <a:p>
             <a:fld id="{0B0C550D-4FE4-D44E-9B6F-060E5D779D30}" type="datetimeFigureOut">
               <a:rPr lang="es-ES_tradnl" smtClean="0"/>
-              <a:t>9/8/22</a:t>
+              <a:t>7/8/23</a:t>
             </a:fld>
             <a:endParaRPr lang="es-ES_tradnl"/>
           </a:p>
@@ -1979,7 +1978,7 @@
           <a:p>
             <a:fld id="{0B0C550D-4FE4-D44E-9B6F-060E5D779D30}" type="datetimeFigureOut">
               <a:rPr lang="es-ES_tradnl" smtClean="0"/>
-              <a:t>9/8/22</a:t>
+              <a:t>7/8/23</a:t>
             </a:fld>
             <a:endParaRPr lang="es-ES_tradnl"/>
           </a:p>
@@ -2092,7 +2091,7 @@
           <a:p>
             <a:fld id="{0B0C550D-4FE4-D44E-9B6F-060E5D779D30}" type="datetimeFigureOut">
               <a:rPr lang="es-ES_tradnl" smtClean="0"/>
-              <a:t>9/8/22</a:t>
+              <a:t>7/8/23</a:t>
             </a:fld>
             <a:endParaRPr lang="es-ES_tradnl"/>
           </a:p>
@@ -2405,7 +2404,7 @@
           <a:p>
             <a:fld id="{0B0C550D-4FE4-D44E-9B6F-060E5D779D30}" type="datetimeFigureOut">
               <a:rPr lang="es-ES_tradnl" smtClean="0"/>
-              <a:t>9/8/22</a:t>
+              <a:t>7/8/23</a:t>
             </a:fld>
             <a:endParaRPr lang="es-ES_tradnl"/>
           </a:p>
@@ -2694,7 +2693,7 @@
           <a:p>
             <a:fld id="{0B0C550D-4FE4-D44E-9B6F-060E5D779D30}" type="datetimeFigureOut">
               <a:rPr lang="es-ES_tradnl" smtClean="0"/>
-              <a:t>9/8/22</a:t>
+              <a:t>7/8/23</a:t>
             </a:fld>
             <a:endParaRPr lang="es-ES_tradnl"/>
           </a:p>
@@ -2937,7 +2936,7 @@
           <a:p>
             <a:fld id="{0B0C550D-4FE4-D44E-9B6F-060E5D779D30}" type="datetimeFigureOut">
               <a:rPr lang="es-ES_tradnl" smtClean="0"/>
-              <a:t>9/8/22</a:t>
+              <a:t>7/8/23</a:t>
             </a:fld>
             <a:endParaRPr lang="es-ES_tradnl"/>
           </a:p>
@@ -3573,7 +3572,7 @@
                 </a:solidFill>
                 <a:latin typeface="Gill Sans MT" panose="020B0502020104020203" pitchFamily="34" charset="77"/>
               </a:rPr>
-              <a:t> 2022-2</a:t>
+              <a:t> 2023-2</a:t>
             </a:r>
           </a:p>
         </p:txBody>
@@ -3640,10 +3639,10 @@
       </p:grpSpPr>
       <p:sp>
         <p:nvSpPr>
-          <p:cNvPr id="8" name="TextBox 7">
-            <a:extLst>
-              <a:ext uri="{FF2B5EF4-FFF2-40B4-BE49-F238E27FC236}">
-                <a16:creationId xmlns:a16="http://schemas.microsoft.com/office/drawing/2014/main" id="{DA0B8274-BF81-6D48-B1EC-87E4CF24BC51}"/>
+          <p:cNvPr id="4" name="TextBox 3">
+            <a:extLst>
+              <a:ext uri="{FF2B5EF4-FFF2-40B4-BE49-F238E27FC236}">
+                <a16:creationId xmlns:a16="http://schemas.microsoft.com/office/drawing/2014/main" id="{E38E921B-9EDF-8F46-A706-63B1A017D025}"/>
               </a:ext>
             </a:extLst>
           </p:cNvPr>
@@ -3653,7 +3652,7 @@
         <p:spPr>
           <a:xfrm>
             <a:off x="697298" y="364590"/>
-            <a:ext cx="4384534" cy="2000548"/>
+            <a:ext cx="4796891" cy="2000548"/>
           </a:xfrm>
           <a:prstGeom prst="rect">
             <a:avLst/>
@@ -3667,13 +3666,22 @@
           <a:lstStyle/>
           <a:p>
             <a:r>
-              <a:rPr lang="en-US" sz="4400" dirty="0">
+              <a:rPr lang="en-US" sz="4400" dirty="0" err="1">
                 <a:solidFill>
                   <a:schemeClr val="accent2"/>
                 </a:solidFill>
                 <a:latin typeface="Gill Sans MT" panose="020B0502020104020203" pitchFamily="34" charset="77"/>
               </a:rPr>
-              <a:t>Canales del </a:t>
+              <a:t>Programa</a:t>
+            </a:r>
+            <a:r>
+              <a:rPr lang="en-US" sz="4400" dirty="0">
+                <a:solidFill>
+                  <a:schemeClr val="accent2"/>
+                </a:solidFill>
+                <a:latin typeface="Gill Sans MT" panose="020B0502020104020203" pitchFamily="34" charset="77"/>
+              </a:rPr>
+              <a:t> del </a:t>
             </a:r>
             <a:r>
               <a:rPr lang="en-US" sz="4400" dirty="0" err="1">
@@ -3741,497 +3749,12 @@
           </a:p>
         </p:txBody>
       </p:sp>
-      <p:graphicFrame>
-        <p:nvGraphicFramePr>
-          <p:cNvPr id="3" name="Table 3">
-            <a:extLst>
-              <a:ext uri="{FF2B5EF4-FFF2-40B4-BE49-F238E27FC236}">
-                <a16:creationId xmlns:a16="http://schemas.microsoft.com/office/drawing/2014/main" id="{B5338A52-EEE0-A940-8DE3-6B36C6E9F371}"/>
-              </a:ext>
-            </a:extLst>
-          </p:cNvPr>
-          <p:cNvGraphicFramePr>
-            <a:graphicFrameLocks noGrp="1"/>
-          </p:cNvGraphicFramePr>
-          <p:nvPr>
-            <p:extLst>
-              <p:ext uri="{D42A27DB-BD31-4B8C-83A1-F6EECF244321}">
-                <p14:modId xmlns:p14="http://schemas.microsoft.com/office/powerpoint/2010/main" val="1335351678"/>
-              </p:ext>
-            </p:extLst>
-          </p:nvPr>
-        </p:nvGraphicFramePr>
-        <p:xfrm>
-          <a:off x="697298" y="1750775"/>
-          <a:ext cx="10829924" cy="3200400"/>
-        </p:xfrm>
-        <a:graphic>
-          <a:graphicData uri="http://schemas.openxmlformats.org/drawingml/2006/table">
-            <a:tbl>
-              <a:tblPr firstRow="1" bandRow="1">
-                <a:tableStyleId>{5C22544A-7EE6-4342-B048-85BDC9FD1C3A}</a:tableStyleId>
-              </a:tblPr>
-              <a:tblGrid>
-                <a:gridCol w="2742461">
-                  <a:extLst>
-                    <a:ext uri="{9D8B030D-6E8A-4147-A177-3AD203B41FA5}">
-                      <a16:colId xmlns:a16="http://schemas.microsoft.com/office/drawing/2014/main" val="3310554758"/>
-                    </a:ext>
-                  </a:extLst>
-                </a:gridCol>
-                <a:gridCol w="8087463">
-                  <a:extLst>
-                    <a:ext uri="{9D8B030D-6E8A-4147-A177-3AD203B41FA5}">
-                      <a16:colId xmlns:a16="http://schemas.microsoft.com/office/drawing/2014/main" val="3399250809"/>
-                    </a:ext>
-                  </a:extLst>
-                </a:gridCol>
-              </a:tblGrid>
-              <a:tr h="370840">
-                <a:tc>
-                  <a:txBody>
-                    <a:bodyPr/>
-                    <a:lstStyle/>
-                    <a:p>
-                      <a:endParaRPr lang="es-ES_tradnl" sz="2400" dirty="0"/>
-                    </a:p>
-                  </a:txBody>
-                  <a:tcPr/>
-                </a:tc>
-                <a:tc>
-                  <a:txBody>
-                    <a:bodyPr/>
-                    <a:lstStyle/>
-                    <a:p>
-                      <a:endParaRPr lang="es-ES_tradnl" sz="2400"/>
-                    </a:p>
-                  </a:txBody>
-                  <a:tcPr/>
-                </a:tc>
-                <a:extLst>
-                  <a:ext uri="{0D108BD9-81ED-4DB2-BD59-A6C34878D82A}">
-                    <a16:rowId xmlns:a16="http://schemas.microsoft.com/office/drawing/2014/main" val="3103523241"/>
-                  </a:ext>
-                </a:extLst>
-              </a:tr>
-              <a:tr h="370840">
-                <a:tc>
-                  <a:txBody>
-                    <a:bodyPr/>
-                    <a:lstStyle/>
-                    <a:p>
-                      <a:pPr algn="r"/>
-                      <a:r>
-                        <a:rPr lang="es-ES_tradnl" sz="2400" dirty="0"/>
-                        <a:t>Web</a:t>
-                      </a:r>
-                    </a:p>
-                  </a:txBody>
-                  <a:tcPr/>
-                </a:tc>
-                <a:tc>
-                  <a:txBody>
-                    <a:bodyPr/>
-                    <a:lstStyle/>
-                    <a:p>
-                      <a:r>
-                        <a:rPr lang="en-AU" sz="2400" b="0" i="0" dirty="0">
-                          <a:solidFill>
-                            <a:srgbClr val="1155CC"/>
-                          </a:solidFill>
-                          <a:effectLst/>
-                          <a:latin typeface="Consolas" panose="020B0609020204030204" pitchFamily="49" charset="0"/>
-                          <a:cs typeface="Consolas" panose="020B0609020204030204" pitchFamily="49" charset="0"/>
-                          <a:hlinkClick r:id="rId2"/>
-                        </a:rPr>
-                        <a:t>https://domingomery.ing.uc.cl/teaching/vision/</a:t>
-                      </a:r>
-                      <a:endParaRPr lang="es-ES_tradnl" sz="2400" dirty="0"/>
-                    </a:p>
-                  </a:txBody>
-                  <a:tcPr/>
-                </a:tc>
-                <a:extLst>
-                  <a:ext uri="{0D108BD9-81ED-4DB2-BD59-A6C34878D82A}">
-                    <a16:rowId xmlns:a16="http://schemas.microsoft.com/office/drawing/2014/main" val="1393490122"/>
-                  </a:ext>
-                </a:extLst>
-              </a:tr>
-              <a:tr h="370840">
-                <a:tc>
-                  <a:txBody>
-                    <a:bodyPr/>
-                    <a:lstStyle/>
-                    <a:p>
-                      <a:pPr algn="r"/>
-                      <a:r>
-                        <a:rPr lang="en-AU" sz="2400" b="0" i="0" dirty="0">
-                          <a:solidFill>
-                            <a:srgbClr val="222222"/>
-                          </a:solidFill>
-                          <a:effectLst/>
-                          <a:latin typeface="Consolas" panose="020B0609020204030204" pitchFamily="49" charset="0"/>
-                          <a:cs typeface="Consolas" panose="020B0609020204030204" pitchFamily="49" charset="0"/>
-                        </a:rPr>
-                        <a:t>Mail</a:t>
-                      </a:r>
-                      <a:endParaRPr lang="es-ES_tradnl" sz="2400" dirty="0"/>
-                    </a:p>
-                  </a:txBody>
-                  <a:tcPr/>
-                </a:tc>
-                <a:tc>
-                  <a:txBody>
-                    <a:bodyPr/>
-                    <a:lstStyle/>
-                    <a:p>
-                      <a:r>
-                        <a:rPr lang="en-AU" sz="2400" b="0" i="0" dirty="0">
-                          <a:solidFill>
-                            <a:srgbClr val="1155CC"/>
-                          </a:solidFill>
-                          <a:effectLst/>
-                          <a:latin typeface="Consolas" panose="020B0609020204030204" pitchFamily="49" charset="0"/>
-                          <a:cs typeface="Consolas" panose="020B0609020204030204" pitchFamily="49" charset="0"/>
-                          <a:hlinkClick r:id="rId3"/>
-                        </a:rPr>
-                        <a:t>domingo.mery@uc.cl</a:t>
-                      </a:r>
-                      <a:endParaRPr lang="es-ES_tradnl" sz="2400" dirty="0"/>
-                    </a:p>
-                  </a:txBody>
-                  <a:tcPr/>
-                </a:tc>
-                <a:extLst>
-                  <a:ext uri="{0D108BD9-81ED-4DB2-BD59-A6C34878D82A}">
-                    <a16:rowId xmlns:a16="http://schemas.microsoft.com/office/drawing/2014/main" val="298957066"/>
-                  </a:ext>
-                </a:extLst>
-              </a:tr>
-              <a:tr h="370840">
-                <a:tc>
-                  <a:txBody>
-                    <a:bodyPr/>
-                    <a:lstStyle/>
-                    <a:p>
-                      <a:pPr algn="r"/>
-                      <a:r>
-                        <a:rPr lang="es-ES_tradnl" sz="2400" dirty="0"/>
-                        <a:t>YouTube</a:t>
-                      </a:r>
-                    </a:p>
-                  </a:txBody>
-                  <a:tcPr/>
-                </a:tc>
-                <a:tc>
-                  <a:txBody>
-                    <a:bodyPr/>
-                    <a:lstStyle/>
-                    <a:p>
-                      <a:r>
-                        <a:rPr lang="en-AU" sz="2400" b="0" i="0" dirty="0">
-                          <a:solidFill>
-                            <a:srgbClr val="1155CC"/>
-                          </a:solidFill>
-                          <a:effectLst/>
-                          <a:latin typeface="Consolas" panose="020B0609020204030204" pitchFamily="49" charset="0"/>
-                          <a:cs typeface="Consolas" panose="020B0609020204030204" pitchFamily="49" charset="0"/>
-                          <a:hlinkClick r:id="rId4"/>
-                        </a:rPr>
-                        <a:t>http://youtube.com/domingomery</a:t>
-                      </a:r>
-                      <a:endParaRPr lang="es-ES_tradnl" sz="2400" dirty="0"/>
-                    </a:p>
-                  </a:txBody>
-                  <a:tcPr/>
-                </a:tc>
-                <a:extLst>
-                  <a:ext uri="{0D108BD9-81ED-4DB2-BD59-A6C34878D82A}">
-                    <a16:rowId xmlns:a16="http://schemas.microsoft.com/office/drawing/2014/main" val="1499814272"/>
-                  </a:ext>
-                </a:extLst>
-              </a:tr>
-              <a:tr h="370840">
-                <a:tc>
-                  <a:txBody>
-                    <a:bodyPr/>
-                    <a:lstStyle/>
-                    <a:p>
-                      <a:pPr algn="r"/>
-                      <a:r>
-                        <a:rPr lang="es-ES_tradnl" sz="2400" dirty="0"/>
-                        <a:t>GitHub</a:t>
-                      </a:r>
-                    </a:p>
-                  </a:txBody>
-                  <a:tcPr/>
-                </a:tc>
-                <a:tc>
-                  <a:txBody>
-                    <a:bodyPr/>
-                    <a:lstStyle/>
-                    <a:p>
-                      <a:r>
-                        <a:rPr lang="en-AU" sz="2400" b="0" i="0" dirty="0">
-                          <a:solidFill>
-                            <a:srgbClr val="1155CC"/>
-                          </a:solidFill>
-                          <a:effectLst/>
-                          <a:latin typeface="Consolas" panose="020B0609020204030204" pitchFamily="49" charset="0"/>
-                          <a:cs typeface="Consolas" panose="020B0609020204030204" pitchFamily="49" charset="0"/>
-                          <a:hlinkClick r:id="rId5"/>
-                        </a:rPr>
-                        <a:t>https://github.com/domingomery/vision</a:t>
-                      </a:r>
-                      <a:r>
-                        <a:rPr lang="en-AU" sz="2400" b="0" i="0" dirty="0">
-                          <a:solidFill>
-                            <a:srgbClr val="1155CC"/>
-                          </a:solidFill>
-                          <a:effectLst/>
-                          <a:latin typeface="Consolas" panose="020B0609020204030204" pitchFamily="49" charset="0"/>
-                          <a:cs typeface="Consolas" panose="020B0609020204030204" pitchFamily="49" charset="0"/>
-                        </a:rPr>
-                        <a:t> </a:t>
-                      </a:r>
-                      <a:endParaRPr lang="es-ES_tradnl" sz="2400" dirty="0"/>
-                    </a:p>
-                  </a:txBody>
-                  <a:tcPr/>
-                </a:tc>
-                <a:extLst>
-                  <a:ext uri="{0D108BD9-81ED-4DB2-BD59-A6C34878D82A}">
-                    <a16:rowId xmlns:a16="http://schemas.microsoft.com/office/drawing/2014/main" val="803726459"/>
-                  </a:ext>
-                </a:extLst>
-              </a:tr>
-              <a:tr h="370840">
-                <a:tc>
-                  <a:txBody>
-                    <a:bodyPr/>
-                    <a:lstStyle/>
-                    <a:p>
-                      <a:pPr algn="r"/>
-                      <a:r>
-                        <a:rPr lang="es-ES_tradnl" sz="2400" dirty="0" err="1"/>
-                        <a:t>Canvas</a:t>
-                      </a:r>
-                      <a:endParaRPr lang="es-ES_tradnl" sz="2400" dirty="0"/>
-                    </a:p>
-                  </a:txBody>
-                  <a:tcPr/>
-                </a:tc>
-                <a:tc>
-                  <a:txBody>
-                    <a:bodyPr/>
-                    <a:lstStyle/>
-                    <a:p>
-                      <a:r>
-                        <a:rPr lang="es-ES_tradnl" sz="2400" dirty="0">
-                          <a:hlinkClick r:id="rId6"/>
-                        </a:rPr>
-                        <a:t>https://cursos.canvas.uc.cl/courses/50351</a:t>
-                      </a:r>
-                      <a:r>
-                        <a:rPr lang="es-ES_tradnl" sz="2400" dirty="0"/>
-                        <a:t> </a:t>
-                      </a:r>
-                    </a:p>
-                  </a:txBody>
-                  <a:tcPr/>
-                </a:tc>
-                <a:extLst>
-                  <a:ext uri="{0D108BD9-81ED-4DB2-BD59-A6C34878D82A}">
-                    <a16:rowId xmlns:a16="http://schemas.microsoft.com/office/drawing/2014/main" val="3476847895"/>
-                  </a:ext>
-                </a:extLst>
-              </a:tr>
-              <a:tr h="370840">
-                <a:tc>
-                  <a:txBody>
-                    <a:bodyPr/>
-                    <a:lstStyle/>
-                    <a:p>
-                      <a:pPr algn="r"/>
-                      <a:r>
-                        <a:rPr lang="es-ES_tradnl" sz="2400" dirty="0"/>
-                        <a:t>Sala de Clases</a:t>
-                      </a:r>
-                    </a:p>
-                  </a:txBody>
-                  <a:tcPr/>
-                </a:tc>
-                <a:tc>
-                  <a:txBody>
-                    <a:bodyPr/>
-                    <a:lstStyle/>
-                    <a:p>
-                      <a:r>
-                        <a:rPr lang="es-ES_tradnl" sz="2400" dirty="0"/>
-                        <a:t>K301</a:t>
-                      </a:r>
-                    </a:p>
-                  </a:txBody>
-                  <a:tcPr/>
-                </a:tc>
-                <a:extLst>
-                  <a:ext uri="{0D108BD9-81ED-4DB2-BD59-A6C34878D82A}">
-                    <a16:rowId xmlns:a16="http://schemas.microsoft.com/office/drawing/2014/main" val="3849741398"/>
-                  </a:ext>
-                </a:extLst>
-              </a:tr>
-            </a:tbl>
-          </a:graphicData>
-        </a:graphic>
-      </p:graphicFrame>
-    </p:spTree>
-    <p:extLst>
-      <p:ext uri="{BB962C8B-B14F-4D97-AF65-F5344CB8AC3E}">
-        <p14:creationId xmlns:p14="http://schemas.microsoft.com/office/powerpoint/2010/main" val="1608192070"/>
-      </p:ext>
-    </p:extLst>
-  </p:cSld>
-  <p:clrMapOvr>
-    <a:masterClrMapping/>
-  </p:clrMapOvr>
-</p:sld>
-</file>
-
-<file path=ppt/slides/slide3.xml><?xml version="1.0" encoding="utf-8"?>
-<p:sld xmlns:a="http://schemas.openxmlformats.org/drawingml/2006/main" xmlns:r="http://schemas.openxmlformats.org/officeDocument/2006/relationships" xmlns:p="http://schemas.openxmlformats.org/presentationml/2006/main">
-  <p:cSld>
-    <p:spTree>
-      <p:nvGrpSpPr>
-        <p:cNvPr id="1" name=""/>
-        <p:cNvGrpSpPr/>
-        <p:nvPr/>
-      </p:nvGrpSpPr>
-      <p:grpSpPr>
-        <a:xfrm>
-          <a:off x="0" y="0"/>
-          <a:ext cx="0" cy="0"/>
-          <a:chOff x="0" y="0"/>
-          <a:chExt cx="0" cy="0"/>
-        </a:xfrm>
-      </p:grpSpPr>
-      <p:sp>
-        <p:nvSpPr>
-          <p:cNvPr id="4" name="TextBox 3">
-            <a:extLst>
-              <a:ext uri="{FF2B5EF4-FFF2-40B4-BE49-F238E27FC236}">
-                <a16:creationId xmlns:a16="http://schemas.microsoft.com/office/drawing/2014/main" id="{E38E921B-9EDF-8F46-A706-63B1A017D025}"/>
-              </a:ext>
-            </a:extLst>
-          </p:cNvPr>
-          <p:cNvSpPr txBox="1"/>
-          <p:nvPr/>
-        </p:nvSpPr>
-        <p:spPr>
-          <a:xfrm>
-            <a:off x="697298" y="364590"/>
-            <a:ext cx="4796891" cy="2000548"/>
-          </a:xfrm>
-          <a:prstGeom prst="rect">
-            <a:avLst/>
-          </a:prstGeom>
-          <a:noFill/>
-        </p:spPr>
-        <p:txBody>
-          <a:bodyPr wrap="none" rtlCol="0">
-            <a:spAutoFit/>
-          </a:bodyPr>
-          <a:lstStyle/>
-          <a:p>
-            <a:r>
-              <a:rPr lang="en-US" sz="4400" dirty="0" err="1">
-                <a:solidFill>
-                  <a:schemeClr val="accent2"/>
-                </a:solidFill>
-                <a:latin typeface="Gill Sans MT" panose="020B0502020104020203" pitchFamily="34" charset="77"/>
-              </a:rPr>
-              <a:t>Programa</a:t>
-            </a:r>
-            <a:r>
-              <a:rPr lang="en-US" sz="4400" dirty="0">
-                <a:solidFill>
-                  <a:schemeClr val="accent2"/>
-                </a:solidFill>
-                <a:latin typeface="Gill Sans MT" panose="020B0502020104020203" pitchFamily="34" charset="77"/>
-              </a:rPr>
-              <a:t> del </a:t>
-            </a:r>
-            <a:r>
-              <a:rPr lang="en-US" sz="4400" dirty="0" err="1">
-                <a:solidFill>
-                  <a:schemeClr val="accent2"/>
-                </a:solidFill>
-                <a:latin typeface="Gill Sans MT" panose="020B0502020104020203" pitchFamily="34" charset="77"/>
-              </a:rPr>
-              <a:t>Curso</a:t>
-            </a:r>
-            <a:endParaRPr lang="en-US" sz="4400" dirty="0">
-              <a:solidFill>
-                <a:schemeClr val="accent2"/>
-              </a:solidFill>
-              <a:latin typeface="Gill Sans MT" panose="020B0502020104020203" pitchFamily="34" charset="77"/>
-            </a:endParaRPr>
-          </a:p>
-          <a:p>
-            <a:endParaRPr lang="en-US" sz="2000" dirty="0">
-              <a:solidFill>
-                <a:schemeClr val="accent1">
-                  <a:lumMod val="60000"/>
-                  <a:lumOff val="40000"/>
-                </a:schemeClr>
-              </a:solidFill>
-              <a:latin typeface="Gill Sans MT" panose="020B0502020104020203" pitchFamily="34" charset="77"/>
-            </a:endParaRPr>
-          </a:p>
-          <a:p>
-            <a:endParaRPr lang="en-US" sz="2000" dirty="0">
-              <a:solidFill>
-                <a:schemeClr val="accent1">
-                  <a:lumMod val="60000"/>
-                  <a:lumOff val="40000"/>
-                </a:schemeClr>
-              </a:solidFill>
-              <a:latin typeface="Gill Sans MT" panose="020B0502020104020203" pitchFamily="34" charset="77"/>
-            </a:endParaRPr>
-          </a:p>
-          <a:p>
-            <a:endParaRPr lang="en-US" sz="2000" dirty="0">
-              <a:solidFill>
-                <a:schemeClr val="accent1">
-                  <a:lumMod val="60000"/>
-                  <a:lumOff val="40000"/>
-                </a:schemeClr>
-              </a:solidFill>
-              <a:latin typeface="Gill Sans MT" panose="020B0502020104020203" pitchFamily="34" charset="77"/>
-            </a:endParaRPr>
-          </a:p>
-          <a:p>
-            <a:pPr marL="342900" indent="-342900">
-              <a:buFont typeface="Arial" panose="020B0604020202020204" pitchFamily="34" charset="0"/>
-              <a:buChar char="•"/>
-            </a:pPr>
-            <a:endParaRPr lang="en-US" sz="2000" dirty="0">
-              <a:solidFill>
-                <a:schemeClr val="accent1">
-                  <a:lumMod val="60000"/>
-                  <a:lumOff val="40000"/>
-                </a:schemeClr>
-              </a:solidFill>
-              <a:latin typeface="Gill Sans MT" panose="020B0502020104020203" pitchFamily="34" charset="77"/>
-            </a:endParaRPr>
-          </a:p>
-        </p:txBody>
-      </p:sp>
       <p:pic>
         <p:nvPicPr>
-          <p:cNvPr id="2" name="Picture 1">
-            <a:extLst>
-              <a:ext uri="{FF2B5EF4-FFF2-40B4-BE49-F238E27FC236}">
-                <a16:creationId xmlns:a16="http://schemas.microsoft.com/office/drawing/2014/main" id="{BB17EAE8-AC6D-54A8-6428-2D3B9B9EAD4C}"/>
+          <p:cNvPr id="5" name="Picture 4" descr="A close-up of a computer&#10;&#10;Description automatically generated">
+            <a:extLst>
+              <a:ext uri="{FF2B5EF4-FFF2-40B4-BE49-F238E27FC236}">
+                <a16:creationId xmlns:a16="http://schemas.microsoft.com/office/drawing/2014/main" id="{C688AB7F-24E9-9455-670F-2BA967D99F81}"/>
               </a:ext>
             </a:extLst>
           </p:cNvPr>
@@ -4248,8 +3771,8 @@
         </p:blipFill>
         <p:spPr>
           <a:xfrm>
-            <a:off x="540692" y="2570161"/>
-            <a:ext cx="11110616" cy="2316163"/>
+            <a:off x="596001" y="2492315"/>
+            <a:ext cx="10898701" cy="2232645"/>
           </a:xfrm>
           <a:prstGeom prst="rect">
             <a:avLst/>
@@ -4269,7 +3792,7 @@
 </p:sld>
 </file>
 
-<file path=ppt/slides/slide4.xml><?xml version="1.0" encoding="utf-8"?>
+<file path=ppt/slides/slide3.xml><?xml version="1.0" encoding="utf-8"?>
 <p:sld xmlns:a="http://schemas.openxmlformats.org/drawingml/2006/main" xmlns:r="http://schemas.openxmlformats.org/officeDocument/2006/relationships" xmlns:p="http://schemas.openxmlformats.org/presentationml/2006/main">
   <p:cSld>
     <p:spTree>
@@ -4476,7 +3999,7 @@
 </p:sld>
 </file>
 
-<file path=ppt/slides/slide5.xml><?xml version="1.0" encoding="utf-8"?>
+<file path=ppt/slides/slide4.xml><?xml version="1.0" encoding="utf-8"?>
 <p:sld xmlns:a="http://schemas.openxmlformats.org/drawingml/2006/main" xmlns:r="http://schemas.openxmlformats.org/officeDocument/2006/relationships" xmlns:p="http://schemas.openxmlformats.org/presentationml/2006/main">
   <p:cSld>
     <p:spTree>
@@ -4671,7 +4194,7 @@
 </p:sld>
 </file>
 
-<file path=ppt/slides/slide6.xml><?xml version="1.0" encoding="utf-8"?>
+<file path=ppt/slides/slide5.xml><?xml version="1.0" encoding="utf-8"?>
 <p:sld xmlns:a="http://schemas.openxmlformats.org/drawingml/2006/main" xmlns:r="http://schemas.openxmlformats.org/officeDocument/2006/relationships" xmlns:p="http://schemas.openxmlformats.org/presentationml/2006/main">
   <p:cSld>
     <p:spTree>
@@ -4826,39 +4349,10 @@
       </p:sp>
       <p:pic>
         <p:nvPicPr>
-          <p:cNvPr id="5" name="Picture 4">
-            <a:extLst>
-              <a:ext uri="{FF2B5EF4-FFF2-40B4-BE49-F238E27FC236}">
-                <a16:creationId xmlns:a16="http://schemas.microsoft.com/office/drawing/2014/main" id="{7F6CB636-8F36-C24B-A7B1-B5B7385AD269}"/>
-              </a:ext>
-            </a:extLst>
-          </p:cNvPr>
-          <p:cNvPicPr>
-            <a:picLocks noChangeAspect="1"/>
-          </p:cNvPicPr>
-          <p:nvPr/>
-        </p:nvPicPr>
-        <p:blipFill rotWithShape="1">
-          <a:blip r:embed="rId2"/>
-          <a:srcRect t="18997"/>
-          <a:stretch/>
-        </p:blipFill>
-        <p:spPr>
-          <a:xfrm>
-            <a:off x="1039812" y="1471603"/>
-            <a:ext cx="10083800" cy="1306502"/>
-          </a:xfrm>
-          <a:prstGeom prst="rect">
-            <a:avLst/>
-          </a:prstGeom>
-        </p:spPr>
-      </p:pic>
-      <p:pic>
-        <p:nvPicPr>
-          <p:cNvPr id="7" name="Picture 6">
-            <a:extLst>
-              <a:ext uri="{FF2B5EF4-FFF2-40B4-BE49-F238E27FC236}">
-                <a16:creationId xmlns:a16="http://schemas.microsoft.com/office/drawing/2014/main" id="{99F58CC9-E500-484F-8983-6655CEFC2560}"/>
+          <p:cNvPr id="3" name="Picture 2" descr="A list of information on a green background&#10;&#10;Description automatically generated">
+            <a:extLst>
+              <a:ext uri="{FF2B5EF4-FFF2-40B4-BE49-F238E27FC236}">
+                <a16:creationId xmlns:a16="http://schemas.microsoft.com/office/drawing/2014/main" id="{C29A74B1-6ECD-4AD4-BA7C-F1C2ED832EF0}"/>
               </a:ext>
             </a:extLst>
           </p:cNvPr>
@@ -4868,15 +4362,15 @@
           <p:nvPr/>
         </p:nvPicPr>
         <p:blipFill>
-          <a:blip r:embed="rId3"/>
+          <a:blip r:embed="rId2"/>
           <a:stretch>
             <a:fillRect/>
           </a:stretch>
         </p:blipFill>
         <p:spPr>
           <a:xfrm>
-            <a:off x="1092200" y="2767003"/>
-            <a:ext cx="10045700" cy="3733800"/>
+            <a:off x="697298" y="1174961"/>
+            <a:ext cx="10231304" cy="5452076"/>
           </a:xfrm>
           <a:prstGeom prst="rect">
             <a:avLst/>
@@ -4896,7 +4390,7 @@
 </p:sld>
 </file>
 
-<file path=ppt/slides/slide7.xml><?xml version="1.0" encoding="utf-8"?>
+<file path=ppt/slides/slide6.xml><?xml version="1.0" encoding="utf-8"?>
 <p:sld xmlns:a="http://schemas.openxmlformats.org/drawingml/2006/main" xmlns:r="http://schemas.openxmlformats.org/officeDocument/2006/relationships" xmlns:p="http://schemas.openxmlformats.org/presentationml/2006/main">
   <p:cSld>
     <p:spTree>
@@ -5051,10 +4545,10 @@
       </p:sp>
       <p:pic>
         <p:nvPicPr>
-          <p:cNvPr id="7" name="Picture 6">
-            <a:extLst>
-              <a:ext uri="{FF2B5EF4-FFF2-40B4-BE49-F238E27FC236}">
-                <a16:creationId xmlns:a16="http://schemas.microsoft.com/office/drawing/2014/main" id="{158FAFF9-2036-DDB3-5FD2-FE76D9DDBFE0}"/>
+          <p:cNvPr id="2" name="Picture 1" descr="A white background with black text&#10;&#10;Description automatically generated">
+            <a:extLst>
+              <a:ext uri="{FF2B5EF4-FFF2-40B4-BE49-F238E27FC236}">
+                <a16:creationId xmlns:a16="http://schemas.microsoft.com/office/drawing/2014/main" id="{CBB0FCC7-F574-BE53-6355-CDCCD82AB19D}"/>
               </a:ext>
             </a:extLst>
           </p:cNvPr>
@@ -5071,8 +4565,8 @@
         </p:blipFill>
         <p:spPr>
           <a:xfrm>
-            <a:off x="157758" y="2198687"/>
-            <a:ext cx="11876484" cy="3016250"/>
+            <a:off x="664425" y="1881458"/>
+            <a:ext cx="11527575" cy="3996828"/>
           </a:xfrm>
           <a:prstGeom prst="rect">
             <a:avLst/>
@@ -5092,7 +4586,7 @@
 </p:sld>
 </file>
 
-<file path=ppt/slides/slide8.xml><?xml version="1.0" encoding="utf-8"?>
+<file path=ppt/slides/slide7.xml><?xml version="1.0" encoding="utf-8"?>
 <p:sld xmlns:a="http://schemas.openxmlformats.org/drawingml/2006/main" xmlns:r="http://schemas.openxmlformats.org/officeDocument/2006/relationships" xmlns:p="http://schemas.openxmlformats.org/presentationml/2006/main">
   <p:cSld>
     <p:spTree>

--- a/clases/Cap00_Lineas_Generales/program/CV00_PresentationCurso.pptx
+++ b/clases/Cap00_Lineas_Generales/program/CV00_PresentationCurso.pptx
@@ -12,6 +12,8 @@
     <p:sldId id="262" r:id="rId6"/>
     <p:sldId id="263" r:id="rId7"/>
     <p:sldId id="264" r:id="rId8"/>
+    <p:sldId id="267" r:id="rId9"/>
+    <p:sldId id="265" r:id="rId10"/>
   </p:sldIdLst>
   <p:sldSz cx="12192000" cy="6858000"/>
   <p:notesSz cx="6858000" cy="9144000"/>
@@ -267,7 +269,7 @@
           <a:p>
             <a:fld id="{0B0C550D-4FE4-D44E-9B6F-060E5D779D30}" type="datetimeFigureOut">
               <a:rPr lang="es-ES_tradnl" smtClean="0"/>
-              <a:t>7/8/23</a:t>
+              <a:t>8/8/23</a:t>
             </a:fld>
             <a:endParaRPr lang="es-ES_tradnl"/>
           </a:p>
@@ -467,7 +469,7 @@
           <a:p>
             <a:fld id="{0B0C550D-4FE4-D44E-9B6F-060E5D779D30}" type="datetimeFigureOut">
               <a:rPr lang="es-ES_tradnl" smtClean="0"/>
-              <a:t>7/8/23</a:t>
+              <a:t>8/8/23</a:t>
             </a:fld>
             <a:endParaRPr lang="es-ES_tradnl"/>
           </a:p>
@@ -677,7 +679,7 @@
           <a:p>
             <a:fld id="{0B0C550D-4FE4-D44E-9B6F-060E5D779D30}" type="datetimeFigureOut">
               <a:rPr lang="es-ES_tradnl" smtClean="0"/>
-              <a:t>7/8/23</a:t>
+              <a:t>8/8/23</a:t>
             </a:fld>
             <a:endParaRPr lang="es-ES_tradnl"/>
           </a:p>
@@ -877,7 +879,7 @@
           <a:p>
             <a:fld id="{0B0C550D-4FE4-D44E-9B6F-060E5D779D30}" type="datetimeFigureOut">
               <a:rPr lang="es-ES_tradnl" smtClean="0"/>
-              <a:t>7/8/23</a:t>
+              <a:t>8/8/23</a:t>
             </a:fld>
             <a:endParaRPr lang="es-ES_tradnl"/>
           </a:p>
@@ -1153,7 +1155,7 @@
           <a:p>
             <a:fld id="{0B0C550D-4FE4-D44E-9B6F-060E5D779D30}" type="datetimeFigureOut">
               <a:rPr lang="es-ES_tradnl" smtClean="0"/>
-              <a:t>7/8/23</a:t>
+              <a:t>8/8/23</a:t>
             </a:fld>
             <a:endParaRPr lang="es-ES_tradnl"/>
           </a:p>
@@ -1421,7 +1423,7 @@
           <a:p>
             <a:fld id="{0B0C550D-4FE4-D44E-9B6F-060E5D779D30}" type="datetimeFigureOut">
               <a:rPr lang="es-ES_tradnl" smtClean="0"/>
-              <a:t>7/8/23</a:t>
+              <a:t>8/8/23</a:t>
             </a:fld>
             <a:endParaRPr lang="es-ES_tradnl"/>
           </a:p>
@@ -1836,7 +1838,7 @@
           <a:p>
             <a:fld id="{0B0C550D-4FE4-D44E-9B6F-060E5D779D30}" type="datetimeFigureOut">
               <a:rPr lang="es-ES_tradnl" smtClean="0"/>
-              <a:t>7/8/23</a:t>
+              <a:t>8/8/23</a:t>
             </a:fld>
             <a:endParaRPr lang="es-ES_tradnl"/>
           </a:p>
@@ -1978,7 +1980,7 @@
           <a:p>
             <a:fld id="{0B0C550D-4FE4-D44E-9B6F-060E5D779D30}" type="datetimeFigureOut">
               <a:rPr lang="es-ES_tradnl" smtClean="0"/>
-              <a:t>7/8/23</a:t>
+              <a:t>8/8/23</a:t>
             </a:fld>
             <a:endParaRPr lang="es-ES_tradnl"/>
           </a:p>
@@ -2091,7 +2093,7 @@
           <a:p>
             <a:fld id="{0B0C550D-4FE4-D44E-9B6F-060E5D779D30}" type="datetimeFigureOut">
               <a:rPr lang="es-ES_tradnl" smtClean="0"/>
-              <a:t>7/8/23</a:t>
+              <a:t>8/8/23</a:t>
             </a:fld>
             <a:endParaRPr lang="es-ES_tradnl"/>
           </a:p>
@@ -2404,7 +2406,7 @@
           <a:p>
             <a:fld id="{0B0C550D-4FE4-D44E-9B6F-060E5D779D30}" type="datetimeFigureOut">
               <a:rPr lang="es-ES_tradnl" smtClean="0"/>
-              <a:t>7/8/23</a:t>
+              <a:t>8/8/23</a:t>
             </a:fld>
             <a:endParaRPr lang="es-ES_tradnl"/>
           </a:p>
@@ -2693,7 +2695,7 @@
           <a:p>
             <a:fld id="{0B0C550D-4FE4-D44E-9B6F-060E5D779D30}" type="datetimeFigureOut">
               <a:rPr lang="es-ES_tradnl" smtClean="0"/>
-              <a:t>7/8/23</a:t>
+              <a:t>8/8/23</a:t>
             </a:fld>
             <a:endParaRPr lang="es-ES_tradnl"/>
           </a:p>
@@ -2936,7 +2938,7 @@
           <a:p>
             <a:fld id="{0B0C550D-4FE4-D44E-9B6F-060E5D779D30}" type="datetimeFigureOut">
               <a:rPr lang="es-ES_tradnl" smtClean="0"/>
-              <a:t>7/8/23</a:t>
+              <a:t>8/8/23</a:t>
             </a:fld>
             <a:endParaRPr lang="es-ES_tradnl"/>
           </a:p>
@@ -4782,6 +4784,210 @@
 </p:sld>
 </file>
 
+<file path=ppt/slides/slide8.xml><?xml version="1.0" encoding="utf-8"?>
+<p:sld xmlns:a="http://schemas.openxmlformats.org/drawingml/2006/main" xmlns:r="http://schemas.openxmlformats.org/officeDocument/2006/relationships" xmlns:p="http://schemas.openxmlformats.org/presentationml/2006/main">
+  <p:cSld>
+    <p:spTree>
+      <p:nvGrpSpPr>
+        <p:cNvPr id="1" name=""/>
+        <p:cNvGrpSpPr/>
+        <p:nvPr/>
+      </p:nvGrpSpPr>
+      <p:grpSpPr>
+        <a:xfrm>
+          <a:off x="0" y="0"/>
+          <a:ext cx="0" cy="0"/>
+          <a:chOff x="0" y="0"/>
+          <a:chExt cx="0" cy="0"/>
+        </a:xfrm>
+      </p:grpSpPr>
+      <p:pic>
+        <p:nvPicPr>
+          <p:cNvPr id="5" name="Picture 4">
+            <a:extLst>
+              <a:ext uri="{FF2B5EF4-FFF2-40B4-BE49-F238E27FC236}">
+                <a16:creationId xmlns:a16="http://schemas.microsoft.com/office/drawing/2014/main" id="{AEA9EE90-E158-95D7-8AE6-E8D8B7424952}"/>
+              </a:ext>
+            </a:extLst>
+          </p:cNvPr>
+          <p:cNvPicPr>
+            <a:picLocks noChangeAspect="1"/>
+          </p:cNvPicPr>
+          <p:nvPr/>
+        </p:nvPicPr>
+        <p:blipFill>
+          <a:blip r:embed="rId2"/>
+          <a:srcRect/>
+          <a:stretch/>
+        </p:blipFill>
+        <p:spPr>
+          <a:xfrm>
+            <a:off x="1998308" y="1201175"/>
+            <a:ext cx="7622572" cy="5571065"/>
+          </a:xfrm>
+          <a:prstGeom prst="rect">
+            <a:avLst/>
+          </a:prstGeom>
+          <a:ln>
+            <a:noFill/>
+          </a:ln>
+        </p:spPr>
+      </p:pic>
+      <p:sp>
+        <p:nvSpPr>
+          <p:cNvPr id="6" name="TextBox 5">
+            <a:extLst>
+              <a:ext uri="{FF2B5EF4-FFF2-40B4-BE49-F238E27FC236}">
+                <a16:creationId xmlns:a16="http://schemas.microsoft.com/office/drawing/2014/main" id="{4824B87C-702B-0C36-B2E3-02223FEADFCE}"/>
+              </a:ext>
+            </a:extLst>
+          </p:cNvPr>
+          <p:cNvSpPr txBox="1"/>
+          <p:nvPr/>
+        </p:nvSpPr>
+        <p:spPr>
+          <a:xfrm>
+            <a:off x="697298" y="364590"/>
+            <a:ext cx="5112297" cy="2000548"/>
+          </a:xfrm>
+          <a:prstGeom prst="rect">
+            <a:avLst/>
+          </a:prstGeom>
+          <a:noFill/>
+        </p:spPr>
+        <p:txBody>
+          <a:bodyPr wrap="none" rtlCol="0">
+            <a:spAutoFit/>
+          </a:bodyPr>
+          <a:lstStyle/>
+          <a:p>
+            <a:r>
+              <a:rPr lang="en-US" sz="4400" dirty="0" err="1">
+                <a:solidFill>
+                  <a:schemeClr val="accent2"/>
+                </a:solidFill>
+                <a:latin typeface="Gill Sans MT" panose="020B0502020104020203" pitchFamily="34" charset="77"/>
+              </a:rPr>
+              <a:t>Calendario</a:t>
+            </a:r>
+            <a:r>
+              <a:rPr lang="en-US" sz="4400" dirty="0">
+                <a:solidFill>
+                  <a:schemeClr val="accent2"/>
+                </a:solidFill>
+                <a:latin typeface="Gill Sans MT" panose="020B0502020104020203" pitchFamily="34" charset="77"/>
+              </a:rPr>
+              <a:t> del </a:t>
+            </a:r>
+            <a:r>
+              <a:rPr lang="en-US" sz="4400" dirty="0" err="1">
+                <a:solidFill>
+                  <a:schemeClr val="accent2"/>
+                </a:solidFill>
+                <a:latin typeface="Gill Sans MT" panose="020B0502020104020203" pitchFamily="34" charset="77"/>
+              </a:rPr>
+              <a:t>Curso</a:t>
+            </a:r>
+            <a:endParaRPr lang="en-US" sz="4400" dirty="0">
+              <a:solidFill>
+                <a:schemeClr val="accent2"/>
+              </a:solidFill>
+              <a:latin typeface="Gill Sans MT" panose="020B0502020104020203" pitchFamily="34" charset="77"/>
+            </a:endParaRPr>
+          </a:p>
+          <a:p>
+            <a:endParaRPr lang="en-US" sz="2000" dirty="0">
+              <a:solidFill>
+                <a:schemeClr val="accent1">
+                  <a:lumMod val="60000"/>
+                  <a:lumOff val="40000"/>
+                </a:schemeClr>
+              </a:solidFill>
+              <a:latin typeface="Gill Sans MT" panose="020B0502020104020203" pitchFamily="34" charset="77"/>
+            </a:endParaRPr>
+          </a:p>
+          <a:p>
+            <a:endParaRPr lang="en-US" sz="2000" dirty="0">
+              <a:solidFill>
+                <a:schemeClr val="accent1">
+                  <a:lumMod val="60000"/>
+                  <a:lumOff val="40000"/>
+                </a:schemeClr>
+              </a:solidFill>
+              <a:latin typeface="Gill Sans MT" panose="020B0502020104020203" pitchFamily="34" charset="77"/>
+            </a:endParaRPr>
+          </a:p>
+          <a:p>
+            <a:endParaRPr lang="en-US" sz="2000" dirty="0">
+              <a:solidFill>
+                <a:schemeClr val="accent1">
+                  <a:lumMod val="60000"/>
+                  <a:lumOff val="40000"/>
+                </a:schemeClr>
+              </a:solidFill>
+              <a:latin typeface="Gill Sans MT" panose="020B0502020104020203" pitchFamily="34" charset="77"/>
+            </a:endParaRPr>
+          </a:p>
+          <a:p>
+            <a:pPr marL="342900" indent="-342900">
+              <a:buFont typeface="Arial" panose="020B0604020202020204" pitchFamily="34" charset="0"/>
+              <a:buChar char="•"/>
+            </a:pPr>
+            <a:endParaRPr lang="en-US" sz="2000" dirty="0">
+              <a:solidFill>
+                <a:schemeClr val="accent1">
+                  <a:lumMod val="60000"/>
+                  <a:lumOff val="40000"/>
+                </a:schemeClr>
+              </a:solidFill>
+              <a:latin typeface="Gill Sans MT" panose="020B0502020104020203" pitchFamily="34" charset="77"/>
+            </a:endParaRPr>
+          </a:p>
+        </p:txBody>
+      </p:sp>
+    </p:spTree>
+    <p:extLst>
+      <p:ext uri="{BB962C8B-B14F-4D97-AF65-F5344CB8AC3E}">
+        <p14:creationId xmlns:p14="http://schemas.microsoft.com/office/powerpoint/2010/main" val="3505872246"/>
+      </p:ext>
+    </p:extLst>
+  </p:cSld>
+  <p:clrMapOvr>
+    <a:masterClrMapping/>
+  </p:clrMapOvr>
+</p:sld>
+</file>
+
+<file path=ppt/slides/slide9.xml><?xml version="1.0" encoding="utf-8"?>
+<p:sld xmlns:a="http://schemas.openxmlformats.org/drawingml/2006/main" xmlns:r="http://schemas.openxmlformats.org/officeDocument/2006/relationships" xmlns:p="http://schemas.openxmlformats.org/presentationml/2006/main">
+  <p:cSld>
+    <p:spTree>
+      <p:nvGrpSpPr>
+        <p:cNvPr id="1" name=""/>
+        <p:cNvGrpSpPr/>
+        <p:nvPr/>
+      </p:nvGrpSpPr>
+      <p:grpSpPr>
+        <a:xfrm>
+          <a:off x="0" y="0"/>
+          <a:ext cx="0" cy="0"/>
+          <a:chOff x="0" y="0"/>
+          <a:chExt cx="0" cy="0"/>
+        </a:xfrm>
+      </p:grpSpPr>
+    </p:spTree>
+    <p:extLst>
+      <p:ext uri="{BB962C8B-B14F-4D97-AF65-F5344CB8AC3E}">
+        <p14:creationId xmlns:p14="http://schemas.microsoft.com/office/powerpoint/2010/main" val="3844951951"/>
+      </p:ext>
+    </p:extLst>
+  </p:cSld>
+  <p:clrMapOvr>
+    <a:masterClrMapping/>
+  </p:clrMapOvr>
+</p:sld>
+</file>
+
 <file path=ppt/theme/theme1.xml><?xml version="1.0" encoding="utf-8"?>
 <a:theme xmlns:a="http://schemas.openxmlformats.org/drawingml/2006/main" name="Office Theme">
   <a:themeElements>

--- a/clases/Cap00_Lineas_Generales/program/CV00_PresentationCurso.pptx
+++ b/clases/Cap00_Lineas_Generales/program/CV00_PresentationCurso.pptx
@@ -13,7 +13,6 @@
     <p:sldId id="263" r:id="rId7"/>
     <p:sldId id="264" r:id="rId8"/>
     <p:sldId id="267" r:id="rId9"/>
-    <p:sldId id="265" r:id="rId10"/>
   </p:sldIdLst>
   <p:sldSz cx="12192000" cy="6858000"/>
   <p:notesSz cx="6858000" cy="9144000"/>
@@ -3753,10 +3752,10 @@
       </p:sp>
       <p:pic>
         <p:nvPicPr>
-          <p:cNvPr id="5" name="Picture 4" descr="A close-up of a computer&#10;&#10;Description automatically generated">
-            <a:extLst>
-              <a:ext uri="{FF2B5EF4-FFF2-40B4-BE49-F238E27FC236}">
-                <a16:creationId xmlns:a16="http://schemas.microsoft.com/office/drawing/2014/main" id="{C688AB7F-24E9-9455-670F-2BA967D99F81}"/>
+          <p:cNvPr id="3" name="Picture 2" descr="A screenshot of a computer program&#10;&#10;Description automatically generated">
+            <a:extLst>
+              <a:ext uri="{FF2B5EF4-FFF2-40B4-BE49-F238E27FC236}">
+                <a16:creationId xmlns:a16="http://schemas.microsoft.com/office/drawing/2014/main" id="{DFAE493E-A604-4A29-7990-BBCBD559A18B}"/>
               </a:ext>
             </a:extLst>
           </p:cNvPr>
@@ -3773,8 +3772,8 @@
         </p:blipFill>
         <p:spPr>
           <a:xfrm>
-            <a:off x="596001" y="2492315"/>
-            <a:ext cx="10898701" cy="2232645"/>
+            <a:off x="-1" y="2158999"/>
+            <a:ext cx="12229973" cy="2547911"/>
           </a:xfrm>
           <a:prstGeom prst="rect">
             <a:avLst/>
@@ -4949,36 +4948,6 @@
     <p:extLst>
       <p:ext uri="{BB962C8B-B14F-4D97-AF65-F5344CB8AC3E}">
         <p14:creationId xmlns:p14="http://schemas.microsoft.com/office/powerpoint/2010/main" val="3505872246"/>
-      </p:ext>
-    </p:extLst>
-  </p:cSld>
-  <p:clrMapOvr>
-    <a:masterClrMapping/>
-  </p:clrMapOvr>
-</p:sld>
-</file>
-
-<file path=ppt/slides/slide9.xml><?xml version="1.0" encoding="utf-8"?>
-<p:sld xmlns:a="http://schemas.openxmlformats.org/drawingml/2006/main" xmlns:r="http://schemas.openxmlformats.org/officeDocument/2006/relationships" xmlns:p="http://schemas.openxmlformats.org/presentationml/2006/main">
-  <p:cSld>
-    <p:spTree>
-      <p:nvGrpSpPr>
-        <p:cNvPr id="1" name=""/>
-        <p:cNvGrpSpPr/>
-        <p:nvPr/>
-      </p:nvGrpSpPr>
-      <p:grpSpPr>
-        <a:xfrm>
-          <a:off x="0" y="0"/>
-          <a:ext cx="0" cy="0"/>
-          <a:chOff x="0" y="0"/>
-          <a:chExt cx="0" cy="0"/>
-        </a:xfrm>
-      </p:grpSpPr>
-    </p:spTree>
-    <p:extLst>
-      <p:ext uri="{BB962C8B-B14F-4D97-AF65-F5344CB8AC3E}">
-        <p14:creationId xmlns:p14="http://schemas.microsoft.com/office/powerpoint/2010/main" val="3844951951"/>
       </p:ext>
     </p:extLst>
   </p:cSld>
